--- a/실무회의 및 단장미팅 발표자료/251216 실무회의 자료 - 진명.pptx
+++ b/실무회의 및 단장미팅 발표자료/251216 실무회의 자료 - 진명.pptx
@@ -699,7 +699,7 @@
             <a:fld id="{3CD2ACDA-7BB5-4D83-9D1E-40BA6ED2D672}" type="datetimeFigureOut">
               <a:rPr lang="ko-KR" altLang="en-US" smtClean="0"/>
               <a:pPr/>
-              <a:t>2025-12-08</a:t>
+              <a:t>2025-12-15</a:t>
             </a:fld>
             <a:endParaRPr lang="ko-KR" altLang="en-US"/>
           </a:p>
@@ -866,7 +866,7 @@
             <a:fld id="{1932AF9E-6075-47ED-A5F2-B86042DA2162}" type="datetimeFigureOut">
               <a:rPr lang="ko-KR" altLang="en-US" smtClean="0"/>
               <a:pPr/>
-              <a:t>2025-12-08</a:t>
+              <a:t>2025-12-15</a:t>
             </a:fld>
             <a:endParaRPr lang="ko-KR" altLang="en-US"/>
           </a:p>
@@ -3687,10 +3687,10 @@
       </p:grpSpPr>
       <p:pic>
         <p:nvPicPr>
-          <p:cNvPr id="14" name="그림 13">
+          <p:cNvPr id="4" name="그림 3">
             <a:extLst>
               <a:ext uri="{FF2B5EF4-FFF2-40B4-BE49-F238E27FC236}">
-                <a16:creationId xmlns:a16="http://schemas.microsoft.com/office/drawing/2014/main" id="{23CBF69D-0A76-B55B-3D49-58037D7799EB}"/>
+                <a16:creationId xmlns:a16="http://schemas.microsoft.com/office/drawing/2014/main" id="{6BDA4F7F-AF8E-6379-966B-608DA3FF57C2}"/>
               </a:ext>
             </a:extLst>
           </p:cNvPr>
@@ -3708,7 +3708,7 @@
         <p:spPr>
           <a:xfrm>
             <a:off x="0" y="195417"/>
-            <a:ext cx="9906000" cy="4959310"/>
+            <a:ext cx="9906000" cy="4912376"/>
           </a:xfrm>
           <a:prstGeom prst="rect">
             <a:avLst/>
@@ -5327,8 +5327,8 @@
         </p:nvSpPr>
         <p:spPr>
           <a:xfrm>
-            <a:off x="539750" y="5140701"/>
-            <a:ext cx="8245021" cy="1169551"/>
+            <a:off x="539750" y="5372108"/>
+            <a:ext cx="8245021" cy="261610"/>
           </a:xfrm>
           <a:prstGeom prst="rect">
             <a:avLst/>
@@ -5349,12 +5349,20 @@
               <a:buAutoNum type="arabicParenR"/>
             </a:pPr>
             <a:r>
+              <a:rPr lang="ko-KR" altLang="en-US" sz="1100">
+                <a:latin typeface="함초롬돋움" panose="020B0604000101010101" pitchFamily="50" charset="-127"/>
+                <a:ea typeface="함초롬돋움" panose="020B0604000101010101" pitchFamily="50" charset="-127"/>
+                <a:cs typeface="함초롬돋움" panose="020B0604000101010101" pitchFamily="50" charset="-127"/>
+              </a:rPr>
+              <a:t>인쇄비 </a:t>
+            </a:r>
+            <a:r>
               <a:rPr lang="en-US" altLang="ko-KR" sz="1100">
                 <a:latin typeface="함초롬돋움" panose="020B0604000101010101" pitchFamily="50" charset="-127"/>
                 <a:ea typeface="함초롬돋움" panose="020B0604000101010101" pitchFamily="50" charset="-127"/>
                 <a:cs typeface="함초롬돋움" panose="020B0604000101010101" pitchFamily="50" charset="-127"/>
               </a:rPr>
-              <a:t>GPU, </a:t>
+              <a:t>308</a:t>
             </a:r>
             <a:r>
               <a:rPr lang="ko-KR" altLang="en-US" sz="1100">
@@ -5362,220 +5370,7 @@
                 <a:ea typeface="함초롬돋움" panose="020B0604000101010101" pitchFamily="50" charset="-127"/>
                 <a:cs typeface="함초롬돋움" panose="020B0604000101010101" pitchFamily="50" charset="-127"/>
               </a:rPr>
-              <a:t>프로브스테이션</a:t>
-            </a:r>
-            <a:r>
-              <a:rPr lang="en-US" altLang="ko-KR" sz="1100">
-                <a:latin typeface="함초롬돋움" panose="020B0604000101010101" pitchFamily="50" charset="-127"/>
-                <a:ea typeface="함초롬돋움" panose="020B0604000101010101" pitchFamily="50" charset="-127"/>
-                <a:cs typeface="함초롬돋움" panose="020B0604000101010101" pitchFamily="50" charset="-127"/>
-              </a:rPr>
-              <a:t>, B1500 </a:t>
-            </a:r>
-            <a:r>
-              <a:rPr lang="ko-KR" altLang="en-US" sz="1100">
-                <a:latin typeface="함초롬돋움" panose="020B0604000101010101" pitchFamily="50" charset="-127"/>
-                <a:ea typeface="함초롬돋움" panose="020B0604000101010101" pitchFamily="50" charset="-127"/>
-                <a:cs typeface="함초롬돋움" panose="020B0604000101010101" pitchFamily="50" charset="-127"/>
-              </a:rPr>
-              <a:t>장비 금액 감소 </a:t>
-            </a:r>
-            <a:r>
-              <a:rPr lang="en-US" altLang="ko-KR" sz="1100">
-                <a:latin typeface="함초롬돋움" panose="020B0604000101010101" pitchFamily="50" charset="-127"/>
-                <a:ea typeface="함초롬돋움" panose="020B0604000101010101" pitchFamily="50" charset="-127"/>
-                <a:cs typeface="함초롬돋움" panose="020B0604000101010101" pitchFamily="50" charset="-127"/>
-              </a:rPr>
-              <a:t>(Δ: - 96,796 </a:t>
-            </a:r>
-            <a:r>
-              <a:rPr lang="ko-KR" altLang="en-US" sz="1100">
-                <a:latin typeface="함초롬돋움" panose="020B0604000101010101" pitchFamily="50" charset="-127"/>
-                <a:ea typeface="함초롬돋움" panose="020B0604000101010101" pitchFamily="50" charset="-127"/>
-                <a:cs typeface="함초롬돋움" panose="020B0604000101010101" pitchFamily="50" charset="-127"/>
-              </a:rPr>
-              <a:t>천원</a:t>
-            </a:r>
-            <a:r>
-              <a:rPr lang="en-US" altLang="ko-KR" sz="1100">
-                <a:latin typeface="함초롬돋움" panose="020B0604000101010101" pitchFamily="50" charset="-127"/>
-                <a:ea typeface="함초롬돋움" panose="020B0604000101010101" pitchFamily="50" charset="-127"/>
-                <a:cs typeface="함초롬돋움" panose="020B0604000101010101" pitchFamily="50" charset="-127"/>
-              </a:rPr>
-              <a:t>)</a:t>
-            </a:r>
-            <a:br>
-              <a:rPr lang="en-US" altLang="ko-KR" sz="1100">
-                <a:latin typeface="함초롬돋움" panose="020B0604000101010101" pitchFamily="50" charset="-127"/>
-                <a:ea typeface="함초롬돋움" panose="020B0604000101010101" pitchFamily="50" charset="-127"/>
-                <a:cs typeface="함초롬돋움" panose="020B0604000101010101" pitchFamily="50" charset="-127"/>
-              </a:rPr>
-            </a:br>
-            <a:r>
-              <a:rPr lang="en-US" altLang="ko-KR" sz="1100">
-                <a:latin typeface="함초롬돋움" panose="020B0604000101010101" pitchFamily="50" charset="-127"/>
-                <a:ea typeface="함초롬돋움" panose="020B0604000101010101" pitchFamily="50" charset="-127"/>
-                <a:cs typeface="함초롬돋움" panose="020B0604000101010101" pitchFamily="50" charset="-127"/>
-              </a:rPr>
-              <a:t>- </a:t>
-            </a:r>
-            <a:r>
-              <a:rPr lang="ko-KR" altLang="en-US" sz="1100">
-                <a:latin typeface="함초롬돋움" panose="020B0604000101010101" pitchFamily="50" charset="-127"/>
-                <a:ea typeface="함초롬돋움" panose="020B0604000101010101" pitchFamily="50" charset="-127"/>
-                <a:cs typeface="함초롬돋움" panose="020B0604000101010101" pitchFamily="50" charset="-127"/>
-              </a:rPr>
-              <a:t>대부분의 감가는 </a:t>
-            </a:r>
-            <a:r>
-              <a:rPr lang="en-US" altLang="ko-KR" sz="1100">
-                <a:latin typeface="함초롬돋움" panose="020B0604000101010101" pitchFamily="50" charset="-127"/>
-                <a:ea typeface="함초롬돋움" panose="020B0604000101010101" pitchFamily="50" charset="-127"/>
-                <a:cs typeface="함초롬돋움" panose="020B0604000101010101" pitchFamily="50" charset="-127"/>
-              </a:rPr>
-              <a:t>GPU</a:t>
-            </a:r>
-            <a:r>
-              <a:rPr lang="ko-KR" altLang="en-US" sz="1100">
-                <a:latin typeface="함초롬돋움" panose="020B0604000101010101" pitchFamily="50" charset="-127"/>
-                <a:ea typeface="함초롬돋움" panose="020B0604000101010101" pitchFamily="50" charset="-127"/>
-                <a:cs typeface="함초롬돋움" panose="020B0604000101010101" pitchFamily="50" charset="-127"/>
-              </a:rPr>
-              <a:t>에서 발생</a:t>
-            </a:r>
-            <a:endParaRPr lang="en-US" altLang="ko-KR" sz="1100">
-              <a:latin typeface="함초롬돋움" panose="020B0604000101010101" pitchFamily="50" charset="-127"/>
-              <a:ea typeface="함초롬돋움" panose="020B0604000101010101" pitchFamily="50" charset="-127"/>
-              <a:cs typeface="함초롬돋움" panose="020B0604000101010101" pitchFamily="50" charset="-127"/>
-            </a:endParaRPr>
-          </a:p>
-          <a:p>
-            <a:pPr marL="342900" indent="-342900">
-              <a:spcAft>
-                <a:spcPts val="600"/>
-              </a:spcAft>
-              <a:buFontTx/>
-              <a:buAutoNum type="arabicParenR"/>
-            </a:pPr>
-            <a:r>
-              <a:rPr lang="en-US" altLang="ko-KR" sz="1100">
-                <a:latin typeface="함초롬돋움" panose="020B0604000101010101" pitchFamily="50" charset="-127"/>
-                <a:ea typeface="함초롬돋움" panose="020B0604000101010101" pitchFamily="50" charset="-127"/>
-                <a:cs typeface="함초롬돋움" panose="020B0604000101010101" pitchFamily="50" charset="-127"/>
-              </a:rPr>
-              <a:t>4</a:t>
-            </a:r>
-            <a:r>
-              <a:rPr lang="ko-KR" altLang="en-US" sz="1100">
-                <a:latin typeface="함초롬돋움" panose="020B0604000101010101" pitchFamily="50" charset="-127"/>
-                <a:ea typeface="함초롬돋움" panose="020B0604000101010101" pitchFamily="50" charset="-127"/>
-                <a:cs typeface="함초롬돋움" panose="020B0604000101010101" pitchFamily="50" charset="-127"/>
-              </a:rPr>
-              <a:t>차년도 </a:t>
-            </a:r>
-            <a:r>
-              <a:rPr lang="en-US" altLang="ko-KR" sz="1100">
-                <a:latin typeface="함초롬돋움" panose="020B0604000101010101" pitchFamily="50" charset="-127"/>
-                <a:ea typeface="함초롬돋움" panose="020B0604000101010101" pitchFamily="50" charset="-127"/>
-                <a:cs typeface="함초롬돋움" panose="020B0604000101010101" pitchFamily="50" charset="-127"/>
-              </a:rPr>
-              <a:t>GPU, EDA </a:t>
-            </a:r>
-            <a:r>
-              <a:rPr lang="ko-KR" altLang="en-US" sz="1100">
-                <a:latin typeface="함초롬돋움" panose="020B0604000101010101" pitchFamily="50" charset="-127"/>
-                <a:ea typeface="함초롬돋움" panose="020B0604000101010101" pitchFamily="50" charset="-127"/>
-                <a:cs typeface="함초롬돋움" panose="020B0604000101010101" pitchFamily="50" charset="-127"/>
-              </a:rPr>
-              <a:t>용역 계약 진행 편성 </a:t>
-            </a:r>
-            <a:r>
-              <a:rPr lang="en-US" altLang="ko-KR" sz="1100">
-                <a:latin typeface="함초롬돋움" panose="020B0604000101010101" pitchFamily="50" charset="-127"/>
-                <a:ea typeface="함초롬돋움" panose="020B0604000101010101" pitchFamily="50" charset="-127"/>
-                <a:cs typeface="함초롬돋움" panose="020B0604000101010101" pitchFamily="50" charset="-127"/>
-              </a:rPr>
-              <a:t>(Δ: + 39,600 </a:t>
-            </a:r>
-            <a:r>
-              <a:rPr lang="ko-KR" altLang="en-US" sz="1100">
-                <a:latin typeface="함초롬돋움" panose="020B0604000101010101" pitchFamily="50" charset="-127"/>
-                <a:ea typeface="함초롬돋움" panose="020B0604000101010101" pitchFamily="50" charset="-127"/>
-                <a:cs typeface="함초롬돋움" panose="020B0604000101010101" pitchFamily="50" charset="-127"/>
-              </a:rPr>
-              <a:t>천원</a:t>
-            </a:r>
-            <a:r>
-              <a:rPr lang="en-US" altLang="ko-KR" sz="1100">
-                <a:latin typeface="함초롬돋움" panose="020B0604000101010101" pitchFamily="50" charset="-127"/>
-                <a:ea typeface="함초롬돋움" panose="020B0604000101010101" pitchFamily="50" charset="-127"/>
-                <a:cs typeface="함초롬돋움" panose="020B0604000101010101" pitchFamily="50" charset="-127"/>
-              </a:rPr>
-              <a:t>)</a:t>
-            </a:r>
-          </a:p>
-          <a:p>
-            <a:pPr marL="342900" indent="-342900">
-              <a:spcAft>
-                <a:spcPts val="600"/>
-              </a:spcAft>
-              <a:buFontTx/>
-              <a:buAutoNum type="arabicParenR"/>
-            </a:pPr>
-            <a:r>
-              <a:rPr lang="ko-KR" altLang="en-US" sz="1100">
-                <a:latin typeface="함초롬돋움" panose="020B0604000101010101" pitchFamily="50" charset="-127"/>
-                <a:ea typeface="함초롬돋움" panose="020B0604000101010101" pitchFamily="50" charset="-127"/>
-                <a:cs typeface="함초롬돋움" panose="020B0604000101010101" pitchFamily="50" charset="-127"/>
-              </a:rPr>
-              <a:t>보류 원고에 대한 원고료 지급 예정 철회 </a:t>
-            </a:r>
-            <a:r>
-              <a:rPr lang="en-US" altLang="ko-KR" sz="1100">
-                <a:latin typeface="함초롬돋움" panose="020B0604000101010101" pitchFamily="50" charset="-127"/>
-                <a:ea typeface="함초롬돋움" panose="020B0604000101010101" pitchFamily="50" charset="-127"/>
-                <a:cs typeface="함초롬돋움" panose="020B0604000101010101" pitchFamily="50" charset="-127"/>
-              </a:rPr>
-              <a:t>(Δ: - 7,500 </a:t>
-            </a:r>
-            <a:r>
-              <a:rPr lang="ko-KR" altLang="en-US" sz="1100">
-                <a:latin typeface="함초롬돋움" panose="020B0604000101010101" pitchFamily="50" charset="-127"/>
-                <a:ea typeface="함초롬돋움" panose="020B0604000101010101" pitchFamily="50" charset="-127"/>
-                <a:cs typeface="함초롬돋움" panose="020B0604000101010101" pitchFamily="50" charset="-127"/>
-              </a:rPr>
-              <a:t>천원</a:t>
-            </a:r>
-            <a:r>
-              <a:rPr lang="en-US" altLang="ko-KR" sz="1100">
-                <a:latin typeface="함초롬돋움" panose="020B0604000101010101" pitchFamily="50" charset="-127"/>
-                <a:ea typeface="함초롬돋움" panose="020B0604000101010101" pitchFamily="50" charset="-127"/>
-                <a:cs typeface="함초롬돋움" panose="020B0604000101010101" pitchFamily="50" charset="-127"/>
-              </a:rPr>
-              <a:t>)</a:t>
-            </a:r>
-          </a:p>
-          <a:p>
-            <a:pPr algn="r">
-              <a:spcAft>
-                <a:spcPts val="600"/>
-              </a:spcAft>
-            </a:pPr>
-            <a:r>
-              <a:rPr lang="en-US" altLang="ko-KR" sz="1100">
-                <a:latin typeface="함초롬돋움" panose="020B0604000101010101" pitchFamily="50" charset="-127"/>
-                <a:ea typeface="함초롬돋움" panose="020B0604000101010101" pitchFamily="50" charset="-127"/>
-                <a:cs typeface="함초롬돋움" panose="020B0604000101010101" pitchFamily="50" charset="-127"/>
-              </a:rPr>
-              <a:t>* </a:t>
-            </a:r>
-            <a:r>
-              <a:rPr lang="ko-KR" altLang="en-US" sz="1100">
-                <a:latin typeface="함초롬돋움" panose="020B0604000101010101" pitchFamily="50" charset="-127"/>
-                <a:ea typeface="함초롬돋움" panose="020B0604000101010101" pitchFamily="50" charset="-127"/>
-                <a:cs typeface="함초롬돋움" panose="020B0604000101010101" pitchFamily="50" charset="-127"/>
-              </a:rPr>
-              <a:t>상세 금액 구체화 진행</a:t>
+              <a:t>만원 추가</a:t>
             </a:r>
             <a:endParaRPr lang="en-US" altLang="ko-KR" sz="1100">
               <a:latin typeface="함초롬돋움" panose="020B0604000101010101" pitchFamily="50" charset="-127"/>
